--- a/dna_folha.pptx
+++ b/dna_folha.pptx
@@ -6,8 +6,9 @@
   </p:sldMasterIdLst>
   <p:sldIdLst>
     <p:sldId id="259" r:id="rId2"/>
-    <p:sldId id="260" r:id="rId3"/>
-    <p:sldId id="261" r:id="rId4"/>
+    <p:sldId id="262" r:id="rId3"/>
+    <p:sldId id="260" r:id="rId4"/>
+    <p:sldId id="261" r:id="rId5"/>
   </p:sldIdLst>
   <p:sldSz cx="10691813" cy="7559675"/>
   <p:notesSz cx="6858000" cy="9144000"/>
@@ -245,7 +246,7 @@
           <a:p>
             <a:fld id="{D1D57DD8-943F-4694-962D-77DAB6F44C49}" type="datetimeFigureOut">
               <a:rPr lang="pt-BR" smtClean="0"/>
-              <a:t>13/10/2019</a:t>
+              <a:t>15/10/2019</a:t>
             </a:fld>
             <a:endParaRPr lang="pt-BR"/>
           </a:p>
@@ -415,7 +416,7 @@
           <a:p>
             <a:fld id="{D1D57DD8-943F-4694-962D-77DAB6F44C49}" type="datetimeFigureOut">
               <a:rPr lang="pt-BR" smtClean="0"/>
-              <a:t>13/10/2019</a:t>
+              <a:t>15/10/2019</a:t>
             </a:fld>
             <a:endParaRPr lang="pt-BR"/>
           </a:p>
@@ -595,7 +596,7 @@
           <a:p>
             <a:fld id="{D1D57DD8-943F-4694-962D-77DAB6F44C49}" type="datetimeFigureOut">
               <a:rPr lang="pt-BR" smtClean="0"/>
-              <a:t>13/10/2019</a:t>
+              <a:t>15/10/2019</a:t>
             </a:fld>
             <a:endParaRPr lang="pt-BR"/>
           </a:p>
@@ -765,7 +766,7 @@
           <a:p>
             <a:fld id="{D1D57DD8-943F-4694-962D-77DAB6F44C49}" type="datetimeFigureOut">
               <a:rPr lang="pt-BR" smtClean="0"/>
-              <a:t>13/10/2019</a:t>
+              <a:t>15/10/2019</a:t>
             </a:fld>
             <a:endParaRPr lang="pt-BR"/>
           </a:p>
@@ -1009,7 +1010,7 @@
           <a:p>
             <a:fld id="{D1D57DD8-943F-4694-962D-77DAB6F44C49}" type="datetimeFigureOut">
               <a:rPr lang="pt-BR" smtClean="0"/>
-              <a:t>13/10/2019</a:t>
+              <a:t>15/10/2019</a:t>
             </a:fld>
             <a:endParaRPr lang="pt-BR"/>
           </a:p>
@@ -1241,7 +1242,7 @@
           <a:p>
             <a:fld id="{D1D57DD8-943F-4694-962D-77DAB6F44C49}" type="datetimeFigureOut">
               <a:rPr lang="pt-BR" smtClean="0"/>
-              <a:t>13/10/2019</a:t>
+              <a:t>15/10/2019</a:t>
             </a:fld>
             <a:endParaRPr lang="pt-BR"/>
           </a:p>
@@ -1608,7 +1609,7 @@
           <a:p>
             <a:fld id="{D1D57DD8-943F-4694-962D-77DAB6F44C49}" type="datetimeFigureOut">
               <a:rPr lang="pt-BR" smtClean="0"/>
-              <a:t>13/10/2019</a:t>
+              <a:t>15/10/2019</a:t>
             </a:fld>
             <a:endParaRPr lang="pt-BR"/>
           </a:p>
@@ -1726,7 +1727,7 @@
           <a:p>
             <a:fld id="{D1D57DD8-943F-4694-962D-77DAB6F44C49}" type="datetimeFigureOut">
               <a:rPr lang="pt-BR" smtClean="0"/>
-              <a:t>13/10/2019</a:t>
+              <a:t>15/10/2019</a:t>
             </a:fld>
             <a:endParaRPr lang="pt-BR"/>
           </a:p>
@@ -1821,7 +1822,7 @@
           <a:p>
             <a:fld id="{D1D57DD8-943F-4694-962D-77DAB6F44C49}" type="datetimeFigureOut">
               <a:rPr lang="pt-BR" smtClean="0"/>
-              <a:t>13/10/2019</a:t>
+              <a:t>15/10/2019</a:t>
             </a:fld>
             <a:endParaRPr lang="pt-BR"/>
           </a:p>
@@ -2098,7 +2099,7 @@
           <a:p>
             <a:fld id="{D1D57DD8-943F-4694-962D-77DAB6F44C49}" type="datetimeFigureOut">
               <a:rPr lang="pt-BR" smtClean="0"/>
-              <a:t>13/10/2019</a:t>
+              <a:t>15/10/2019</a:t>
             </a:fld>
             <a:endParaRPr lang="pt-BR"/>
           </a:p>
@@ -2355,7 +2356,7 @@
           <a:p>
             <a:fld id="{D1D57DD8-943F-4694-962D-77DAB6F44C49}" type="datetimeFigureOut">
               <a:rPr lang="pt-BR" smtClean="0"/>
-              <a:t>13/10/2019</a:t>
+              <a:t>15/10/2019</a:t>
             </a:fld>
             <a:endParaRPr lang="pt-BR"/>
           </a:p>
@@ -2568,7 +2569,7 @@
           <a:p>
             <a:fld id="{D1D57DD8-943F-4694-962D-77DAB6F44C49}" type="datetimeFigureOut">
               <a:rPr lang="pt-BR" smtClean="0"/>
-              <a:t>13/10/2019</a:t>
+              <a:t>15/10/2019</a:t>
             </a:fld>
             <a:endParaRPr lang="pt-BR"/>
           </a:p>
@@ -3428,7 +3429,7 @@
         <p:spPr>
           <a:xfrm>
             <a:off x="531514" y="2024322"/>
-            <a:ext cx="1258784" cy="677108"/>
+            <a:ext cx="1258784" cy="1354217"/>
           </a:xfrm>
           <a:prstGeom prst="rect">
             <a:avLst/>
@@ -3458,6 +3459,16 @@
             <a:r>
               <a:rPr lang="pt-BR" sz="1100" dirty="0"/>
               <a:t> – Veneno causa 2 de dano por 3 turnos</a:t>
+            </a:r>
+          </a:p>
+          <a:p>
+            <a:r>
+              <a:rPr lang="pt-BR" sz="1100" b="1" dirty="0"/>
+              <a:t>BD + BE + RA</a:t>
+            </a:r>
+            <a:r>
+              <a:rPr lang="pt-BR" sz="1100" dirty="0"/>
+              <a:t> – Pode bloquear os ataques de braço e atacar com a cauda</a:t>
             </a:r>
           </a:p>
         </p:txBody>
@@ -3470,7 +3481,7 @@
         </p:nvCxnSpPr>
         <p:spPr>
           <a:xfrm flipV="1">
-            <a:off x="552852" y="2778934"/>
+            <a:off x="552852" y="3449491"/>
             <a:ext cx="1137003" cy="12757"/>
           </a:xfrm>
           <a:prstGeom prst="line">
@@ -3514,7 +3525,7 @@
         </p:blipFill>
         <p:spPr>
           <a:xfrm>
-            <a:off x="518127" y="3202639"/>
+            <a:off x="518127" y="3873196"/>
             <a:ext cx="923413" cy="739954"/>
           </a:xfrm>
           <a:prstGeom prst="rect">
@@ -3530,7 +3541,7 @@
         </p:nvSpPr>
         <p:spPr>
           <a:xfrm>
-            <a:off x="536316" y="2804601"/>
+            <a:off x="536316" y="3475158"/>
             <a:ext cx="1118814" cy="307777"/>
           </a:xfrm>
           <a:prstGeom prst="rect">
@@ -3565,7 +3576,7 @@
         </p:nvSpPr>
         <p:spPr>
           <a:xfrm>
-            <a:off x="670836" y="3016608"/>
+            <a:off x="670836" y="3687165"/>
             <a:ext cx="656515" cy="307777"/>
           </a:xfrm>
           <a:prstGeom prst="rect">
@@ -3597,7 +3608,7 @@
         </p:nvSpPr>
         <p:spPr>
           <a:xfrm>
-            <a:off x="768111" y="3808791"/>
+            <a:off x="768111" y="4479348"/>
             <a:ext cx="673429" cy="307777"/>
           </a:xfrm>
           <a:prstGeom prst="rect">
@@ -3629,7 +3640,7 @@
         </p:nvSpPr>
         <p:spPr>
           <a:xfrm>
-            <a:off x="1532039" y="3136338"/>
+            <a:off x="1532039" y="3806895"/>
             <a:ext cx="528295" cy="523220"/>
           </a:xfrm>
           <a:prstGeom prst="rect">
@@ -3661,7 +3672,7 @@
         </p:nvCxnSpPr>
         <p:spPr>
           <a:xfrm rot="10800000" flipV="1">
-            <a:off x="979833" y="3374095"/>
+            <a:off x="979833" y="4044652"/>
             <a:ext cx="618796" cy="121389"/>
           </a:xfrm>
           <a:prstGeom prst="bentConnector3">
@@ -3697,7 +3708,7 @@
         </p:nvSpPr>
         <p:spPr>
           <a:xfrm>
-            <a:off x="533442" y="4086546"/>
+            <a:off x="533442" y="4757103"/>
             <a:ext cx="1258784" cy="677108"/>
           </a:xfrm>
           <a:prstGeom prst="rect">
@@ -3752,6 +3763,924 @@
           <a:chExt cx="0" cy="0"/>
         </a:xfrm>
       </p:grpSpPr>
+      <p:cxnSp>
+        <p:nvCxnSpPr>
+          <p:cNvPr id="3" name="Conector reto 2"/>
+          <p:cNvCxnSpPr/>
+          <p:nvPr/>
+        </p:nvCxnSpPr>
+        <p:spPr>
+          <a:xfrm>
+            <a:off x="540000" y="0"/>
+            <a:ext cx="0" cy="360000"/>
+          </a:xfrm>
+          <a:prstGeom prst="line">
+            <a:avLst/>
+          </a:prstGeom>
+          <a:ln>
+            <a:solidFill>
+              <a:schemeClr val="tx1"/>
+            </a:solidFill>
+          </a:ln>
+        </p:spPr>
+        <p:style>
+          <a:lnRef idx="1">
+            <a:schemeClr val="accent1"/>
+          </a:lnRef>
+          <a:fillRef idx="0">
+            <a:schemeClr val="accent1"/>
+          </a:fillRef>
+          <a:effectRef idx="0">
+            <a:schemeClr val="accent1"/>
+          </a:effectRef>
+          <a:fontRef idx="minor">
+            <a:schemeClr val="tx1"/>
+          </a:fontRef>
+        </p:style>
+      </p:cxnSp>
+      <p:cxnSp>
+        <p:nvCxnSpPr>
+          <p:cNvPr id="4" name="Conector reto 3"/>
+          <p:cNvCxnSpPr/>
+          <p:nvPr/>
+        </p:nvCxnSpPr>
+        <p:spPr>
+          <a:xfrm>
+            <a:off x="10152000" y="0"/>
+            <a:ext cx="0" cy="360000"/>
+          </a:xfrm>
+          <a:prstGeom prst="line">
+            <a:avLst/>
+          </a:prstGeom>
+          <a:ln>
+            <a:solidFill>
+              <a:schemeClr val="tx1"/>
+            </a:solidFill>
+          </a:ln>
+        </p:spPr>
+        <p:style>
+          <a:lnRef idx="1">
+            <a:schemeClr val="accent1"/>
+          </a:lnRef>
+          <a:fillRef idx="0">
+            <a:schemeClr val="accent1"/>
+          </a:fillRef>
+          <a:effectRef idx="0">
+            <a:schemeClr val="accent1"/>
+          </a:effectRef>
+          <a:fontRef idx="minor">
+            <a:schemeClr val="tx1"/>
+          </a:fontRef>
+        </p:style>
+      </p:cxnSp>
+      <p:cxnSp>
+        <p:nvCxnSpPr>
+          <p:cNvPr id="7" name="Conector reto 6"/>
+          <p:cNvCxnSpPr/>
+          <p:nvPr/>
+        </p:nvCxnSpPr>
+        <p:spPr>
+          <a:xfrm>
+            <a:off x="0" y="540000"/>
+            <a:ext cx="360000" cy="0"/>
+          </a:xfrm>
+          <a:prstGeom prst="line">
+            <a:avLst/>
+          </a:prstGeom>
+          <a:ln>
+            <a:solidFill>
+              <a:schemeClr val="tx1"/>
+            </a:solidFill>
+          </a:ln>
+        </p:spPr>
+        <p:style>
+          <a:lnRef idx="1">
+            <a:schemeClr val="accent1"/>
+          </a:lnRef>
+          <a:fillRef idx="0">
+            <a:schemeClr val="accent1"/>
+          </a:fillRef>
+          <a:effectRef idx="0">
+            <a:schemeClr val="accent1"/>
+          </a:effectRef>
+          <a:fontRef idx="minor">
+            <a:schemeClr val="tx1"/>
+          </a:fontRef>
+        </p:style>
+      </p:cxnSp>
+      <p:cxnSp>
+        <p:nvCxnSpPr>
+          <p:cNvPr id="8" name="Conector reto 7"/>
+          <p:cNvCxnSpPr/>
+          <p:nvPr/>
+        </p:nvCxnSpPr>
+        <p:spPr>
+          <a:xfrm>
+            <a:off x="0" y="7020000"/>
+            <a:ext cx="360000" cy="0"/>
+          </a:xfrm>
+          <a:prstGeom prst="line">
+            <a:avLst/>
+          </a:prstGeom>
+          <a:ln>
+            <a:solidFill>
+              <a:schemeClr val="tx1"/>
+            </a:solidFill>
+          </a:ln>
+        </p:spPr>
+        <p:style>
+          <a:lnRef idx="1">
+            <a:schemeClr val="accent1"/>
+          </a:lnRef>
+          <a:fillRef idx="0">
+            <a:schemeClr val="accent1"/>
+          </a:fillRef>
+          <a:effectRef idx="0">
+            <a:schemeClr val="accent1"/>
+          </a:effectRef>
+          <a:fontRef idx="minor">
+            <a:schemeClr val="tx1"/>
+          </a:fontRef>
+        </p:style>
+      </p:cxnSp>
+      <p:cxnSp>
+        <p:nvCxnSpPr>
+          <p:cNvPr id="9" name="Conector reto 8"/>
+          <p:cNvCxnSpPr/>
+          <p:nvPr/>
+        </p:nvCxnSpPr>
+        <p:spPr>
+          <a:xfrm>
+            <a:off x="540000" y="7200000"/>
+            <a:ext cx="0" cy="360000"/>
+          </a:xfrm>
+          <a:prstGeom prst="line">
+            <a:avLst/>
+          </a:prstGeom>
+          <a:ln>
+            <a:solidFill>
+              <a:schemeClr val="tx1"/>
+            </a:solidFill>
+          </a:ln>
+        </p:spPr>
+        <p:style>
+          <a:lnRef idx="1">
+            <a:schemeClr val="accent1"/>
+          </a:lnRef>
+          <a:fillRef idx="0">
+            <a:schemeClr val="accent1"/>
+          </a:fillRef>
+          <a:effectRef idx="0">
+            <a:schemeClr val="accent1"/>
+          </a:effectRef>
+          <a:fontRef idx="minor">
+            <a:schemeClr val="tx1"/>
+          </a:fontRef>
+        </p:style>
+      </p:cxnSp>
+      <p:cxnSp>
+        <p:nvCxnSpPr>
+          <p:cNvPr id="10" name="Conector reto 9"/>
+          <p:cNvCxnSpPr/>
+          <p:nvPr/>
+        </p:nvCxnSpPr>
+        <p:spPr>
+          <a:xfrm>
+            <a:off x="10152000" y="7200000"/>
+            <a:ext cx="0" cy="360000"/>
+          </a:xfrm>
+          <a:prstGeom prst="line">
+            <a:avLst/>
+          </a:prstGeom>
+          <a:ln>
+            <a:solidFill>
+              <a:schemeClr val="tx1"/>
+            </a:solidFill>
+          </a:ln>
+        </p:spPr>
+        <p:style>
+          <a:lnRef idx="1">
+            <a:schemeClr val="accent1"/>
+          </a:lnRef>
+          <a:fillRef idx="0">
+            <a:schemeClr val="accent1"/>
+          </a:fillRef>
+          <a:effectRef idx="0">
+            <a:schemeClr val="accent1"/>
+          </a:effectRef>
+          <a:fontRef idx="minor">
+            <a:schemeClr val="tx1"/>
+          </a:fontRef>
+        </p:style>
+      </p:cxnSp>
+      <p:cxnSp>
+        <p:nvCxnSpPr>
+          <p:cNvPr id="11" name="Conector reto 10"/>
+          <p:cNvCxnSpPr/>
+          <p:nvPr/>
+        </p:nvCxnSpPr>
+        <p:spPr>
+          <a:xfrm>
+            <a:off x="10332000" y="540000"/>
+            <a:ext cx="360000" cy="0"/>
+          </a:xfrm>
+          <a:prstGeom prst="line">
+            <a:avLst/>
+          </a:prstGeom>
+          <a:ln>
+            <a:solidFill>
+              <a:schemeClr val="tx1"/>
+            </a:solidFill>
+          </a:ln>
+        </p:spPr>
+        <p:style>
+          <a:lnRef idx="1">
+            <a:schemeClr val="accent1"/>
+          </a:lnRef>
+          <a:fillRef idx="0">
+            <a:schemeClr val="accent1"/>
+          </a:fillRef>
+          <a:effectRef idx="0">
+            <a:schemeClr val="accent1"/>
+          </a:effectRef>
+          <a:fontRef idx="minor">
+            <a:schemeClr val="tx1"/>
+          </a:fontRef>
+        </p:style>
+      </p:cxnSp>
+      <p:cxnSp>
+        <p:nvCxnSpPr>
+          <p:cNvPr id="12" name="Conector reto 11"/>
+          <p:cNvCxnSpPr/>
+          <p:nvPr/>
+        </p:nvCxnSpPr>
+        <p:spPr>
+          <a:xfrm>
+            <a:off x="10332000" y="7020000"/>
+            <a:ext cx="360000" cy="0"/>
+          </a:xfrm>
+          <a:prstGeom prst="line">
+            <a:avLst/>
+          </a:prstGeom>
+          <a:ln>
+            <a:solidFill>
+              <a:schemeClr val="tx1"/>
+            </a:solidFill>
+          </a:ln>
+        </p:spPr>
+        <p:style>
+          <a:lnRef idx="1">
+            <a:schemeClr val="accent1"/>
+          </a:lnRef>
+          <a:fillRef idx="0">
+            <a:schemeClr val="accent1"/>
+          </a:fillRef>
+          <a:effectRef idx="0">
+            <a:schemeClr val="accent1"/>
+          </a:effectRef>
+          <a:fontRef idx="minor">
+            <a:schemeClr val="tx1"/>
+          </a:fontRef>
+        </p:style>
+      </p:cxnSp>
+      <p:sp>
+        <p:nvSpPr>
+          <p:cNvPr id="14" name="CaixaDeTexto 13"/>
+          <p:cNvSpPr txBox="1"/>
+          <p:nvPr/>
+        </p:nvSpPr>
+        <p:spPr>
+          <a:xfrm>
+            <a:off x="9072859" y="545610"/>
+            <a:ext cx="619080" cy="307777"/>
+          </a:xfrm>
+          <a:prstGeom prst="rect">
+            <a:avLst/>
+          </a:prstGeom>
+          <a:noFill/>
+        </p:spPr>
+        <p:txBody>
+          <a:bodyPr wrap="none" rtlCol="0">
+            <a:spAutoFit/>
+          </a:bodyPr>
+          <a:lstStyle/>
+          <a:p>
+            <a:pPr algn="ctr"/>
+            <a:r>
+              <a:rPr lang="pt-BR" sz="1400" b="1" dirty="0">
+                <a:latin typeface="Algerian" panose="04020705040A02060702" pitchFamily="82" charset="0"/>
+              </a:rPr>
+              <a:t>URSO</a:t>
+            </a:r>
+            <a:endParaRPr lang="pt-BR" sz="1600" b="1" dirty="0">
+              <a:latin typeface="Algerian" panose="04020705040A02060702" pitchFamily="82" charset="0"/>
+            </a:endParaRPr>
+          </a:p>
+        </p:txBody>
+      </p:sp>
+      <p:sp>
+        <p:nvSpPr>
+          <p:cNvPr id="16" name="CaixaDeTexto 15"/>
+          <p:cNvSpPr txBox="1"/>
+          <p:nvPr/>
+        </p:nvSpPr>
+        <p:spPr>
+          <a:xfrm>
+            <a:off x="9385212" y="768996"/>
+            <a:ext cx="694061" cy="307777"/>
+          </a:xfrm>
+          <a:prstGeom prst="rect">
+            <a:avLst/>
+          </a:prstGeom>
+          <a:noFill/>
+        </p:spPr>
+        <p:txBody>
+          <a:bodyPr wrap="square" rtlCol="0">
+            <a:spAutoFit/>
+          </a:bodyPr>
+          <a:lstStyle/>
+          <a:p>
+            <a:r>
+              <a:rPr lang="pt-BR" sz="1400" dirty="0">
+                <a:latin typeface="Arial" panose="020B0604020202020204" pitchFamily="34" charset="0"/>
+                <a:cs typeface="Arial" panose="020B0604020202020204" pitchFamily="34" charset="0"/>
+              </a:rPr>
+              <a:t>CA 2</a:t>
+            </a:r>
+          </a:p>
+        </p:txBody>
+      </p:sp>
+      <p:sp>
+        <p:nvSpPr>
+          <p:cNvPr id="17" name="CaixaDeTexto 16"/>
+          <p:cNvSpPr txBox="1"/>
+          <p:nvPr/>
+        </p:nvSpPr>
+        <p:spPr>
+          <a:xfrm>
+            <a:off x="9385212" y="1606059"/>
+            <a:ext cx="445444" cy="523220"/>
+          </a:xfrm>
+          <a:prstGeom prst="rect">
+            <a:avLst/>
+          </a:prstGeom>
+          <a:noFill/>
+        </p:spPr>
+        <p:txBody>
+          <a:bodyPr wrap="square" rtlCol="0">
+            <a:spAutoFit/>
+          </a:bodyPr>
+          <a:lstStyle/>
+          <a:p>
+            <a:r>
+              <a:rPr lang="pt-BR" sz="1400" dirty="0">
+                <a:latin typeface="Arial" panose="020B0604020202020204" pitchFamily="34" charset="0"/>
+                <a:cs typeface="Arial" panose="020B0604020202020204" pitchFamily="34" charset="0"/>
+              </a:rPr>
+              <a:t>BD2</a:t>
+            </a:r>
+          </a:p>
+        </p:txBody>
+      </p:sp>
+      <p:sp>
+        <p:nvSpPr>
+          <p:cNvPr id="18" name="CaixaDeTexto 17"/>
+          <p:cNvSpPr txBox="1"/>
+          <p:nvPr/>
+        </p:nvSpPr>
+        <p:spPr>
+          <a:xfrm>
+            <a:off x="9697420" y="1489851"/>
+            <a:ext cx="579982" cy="307777"/>
+          </a:xfrm>
+          <a:prstGeom prst="rect">
+            <a:avLst/>
+          </a:prstGeom>
+          <a:noFill/>
+        </p:spPr>
+        <p:txBody>
+          <a:bodyPr wrap="square" rtlCol="0">
+            <a:spAutoFit/>
+          </a:bodyPr>
+          <a:lstStyle/>
+          <a:p>
+            <a:r>
+              <a:rPr lang="pt-BR" sz="1400" dirty="0">
+                <a:latin typeface="Arial" panose="020B0604020202020204" pitchFamily="34" charset="0"/>
+                <a:cs typeface="Arial" panose="020B0604020202020204" pitchFamily="34" charset="0"/>
+              </a:rPr>
+              <a:t>BE 2</a:t>
+            </a:r>
+          </a:p>
+        </p:txBody>
+      </p:sp>
+      <p:sp>
+        <p:nvSpPr>
+          <p:cNvPr id="19" name="CaixaDeTexto 18"/>
+          <p:cNvSpPr txBox="1"/>
+          <p:nvPr/>
+        </p:nvSpPr>
+        <p:spPr>
+          <a:xfrm>
+            <a:off x="8811901" y="2024322"/>
+            <a:ext cx="1258784" cy="1184940"/>
+          </a:xfrm>
+          <a:prstGeom prst="rect">
+            <a:avLst/>
+          </a:prstGeom>
+          <a:noFill/>
+        </p:spPr>
+        <p:txBody>
+          <a:bodyPr wrap="square" lIns="0" tIns="0" rIns="0" bIns="0" rtlCol="0">
+            <a:spAutoFit/>
+          </a:bodyPr>
+          <a:lstStyle/>
+          <a:p>
+            <a:r>
+              <a:rPr lang="pt-BR" sz="1100" b="1" dirty="0"/>
+              <a:t>BD + BE + CO </a:t>
+            </a:r>
+            <a:r>
+              <a:rPr lang="pt-BR" sz="1100" dirty="0"/>
+              <a:t>– O abraço de urso – causa 4 de dano</a:t>
+            </a:r>
+          </a:p>
+          <a:p>
+            <a:r>
+              <a:rPr lang="pt-BR" sz="1100" b="1" dirty="0"/>
+              <a:t>BD + BE + CO + CA</a:t>
+            </a:r>
+            <a:r>
+              <a:rPr lang="pt-BR" sz="1100" dirty="0"/>
+              <a:t> – Abraço de urso com mordida – causa 6 de dano</a:t>
+            </a:r>
+          </a:p>
+        </p:txBody>
+      </p:sp>
+      <p:cxnSp>
+        <p:nvCxnSpPr>
+          <p:cNvPr id="21" name="Conector reto 20"/>
+          <p:cNvCxnSpPr/>
+          <p:nvPr/>
+        </p:nvCxnSpPr>
+        <p:spPr>
+          <a:xfrm flipV="1">
+            <a:off x="8833239" y="3284391"/>
+            <a:ext cx="1137003" cy="12757"/>
+          </a:xfrm>
+          <a:prstGeom prst="line">
+            <a:avLst/>
+          </a:prstGeom>
+          <a:ln w="12700">
+            <a:solidFill>
+              <a:schemeClr val="tx1"/>
+            </a:solidFill>
+            <a:prstDash val="dash"/>
+          </a:ln>
+        </p:spPr>
+        <p:style>
+          <a:lnRef idx="1">
+            <a:schemeClr val="accent1"/>
+          </a:lnRef>
+          <a:fillRef idx="0">
+            <a:schemeClr val="accent1"/>
+          </a:fillRef>
+          <a:effectRef idx="0">
+            <a:schemeClr val="accent1"/>
+          </a:effectRef>
+          <a:fontRef idx="minor">
+            <a:schemeClr val="tx1"/>
+          </a:fontRef>
+        </p:style>
+      </p:cxnSp>
+      <p:sp>
+        <p:nvSpPr>
+          <p:cNvPr id="23" name="CaixaDeTexto 22"/>
+          <p:cNvSpPr txBox="1"/>
+          <p:nvPr/>
+        </p:nvSpPr>
+        <p:spPr>
+          <a:xfrm>
+            <a:off x="8816703" y="3310058"/>
+            <a:ext cx="1118814" cy="307777"/>
+          </a:xfrm>
+          <a:prstGeom prst="rect">
+            <a:avLst/>
+          </a:prstGeom>
+          <a:noFill/>
+        </p:spPr>
+        <p:txBody>
+          <a:bodyPr wrap="square" rtlCol="0">
+            <a:spAutoFit/>
+          </a:bodyPr>
+          <a:lstStyle/>
+          <a:p>
+            <a:pPr algn="ctr"/>
+            <a:r>
+              <a:rPr lang="pt-BR" sz="1400" b="1" dirty="0">
+                <a:latin typeface="Algerian" panose="04020705040A02060702" pitchFamily="82" charset="0"/>
+              </a:rPr>
+              <a:t>GORILA</a:t>
+            </a:r>
+            <a:endParaRPr lang="pt-BR" sz="1600" b="1" dirty="0">
+              <a:latin typeface="Algerian" panose="04020705040A02060702" pitchFamily="82" charset="0"/>
+            </a:endParaRPr>
+          </a:p>
+        </p:txBody>
+      </p:sp>
+      <p:sp>
+        <p:nvSpPr>
+          <p:cNvPr id="24" name="CaixaDeTexto 23"/>
+          <p:cNvSpPr txBox="1"/>
+          <p:nvPr/>
+        </p:nvSpPr>
+        <p:spPr>
+          <a:xfrm>
+            <a:off x="9339944" y="3513273"/>
+            <a:ext cx="647467" cy="307777"/>
+          </a:xfrm>
+          <a:prstGeom prst="rect">
+            <a:avLst/>
+          </a:prstGeom>
+          <a:noFill/>
+        </p:spPr>
+        <p:txBody>
+          <a:bodyPr wrap="square" rtlCol="0">
+            <a:spAutoFit/>
+          </a:bodyPr>
+          <a:lstStyle/>
+          <a:p>
+            <a:r>
+              <a:rPr lang="pt-BR" sz="1400" dirty="0">
+                <a:latin typeface="Arial" panose="020B0604020202020204" pitchFamily="34" charset="0"/>
+                <a:cs typeface="Arial" panose="020B0604020202020204" pitchFamily="34" charset="0"/>
+              </a:rPr>
+              <a:t>CA 2</a:t>
+            </a:r>
+          </a:p>
+        </p:txBody>
+      </p:sp>
+      <p:sp>
+        <p:nvSpPr>
+          <p:cNvPr id="25" name="CaixaDeTexto 24"/>
+          <p:cNvSpPr txBox="1"/>
+          <p:nvPr/>
+        </p:nvSpPr>
+        <p:spPr>
+          <a:xfrm>
+            <a:off x="8462112" y="4118581"/>
+            <a:ext cx="578828" cy="307777"/>
+          </a:xfrm>
+          <a:prstGeom prst="rect">
+            <a:avLst/>
+          </a:prstGeom>
+          <a:noFill/>
+        </p:spPr>
+        <p:txBody>
+          <a:bodyPr wrap="square" rtlCol="0">
+            <a:spAutoFit/>
+          </a:bodyPr>
+          <a:lstStyle/>
+          <a:p>
+            <a:r>
+              <a:rPr lang="pt-BR" sz="1400" dirty="0">
+                <a:latin typeface="Arial" panose="020B0604020202020204" pitchFamily="34" charset="0"/>
+                <a:cs typeface="Arial" panose="020B0604020202020204" pitchFamily="34" charset="0"/>
+              </a:rPr>
+              <a:t>PE 2</a:t>
+            </a:r>
+          </a:p>
+        </p:txBody>
+      </p:sp>
+      <p:sp>
+        <p:nvSpPr>
+          <p:cNvPr id="26" name="CaixaDeTexto 25"/>
+          <p:cNvSpPr txBox="1"/>
+          <p:nvPr/>
+        </p:nvSpPr>
+        <p:spPr>
+          <a:xfrm>
+            <a:off x="8664316" y="3617835"/>
+            <a:ext cx="620586" cy="307777"/>
+          </a:xfrm>
+          <a:prstGeom prst="rect">
+            <a:avLst/>
+          </a:prstGeom>
+          <a:noFill/>
+        </p:spPr>
+        <p:txBody>
+          <a:bodyPr wrap="square" rtlCol="0">
+            <a:spAutoFit/>
+          </a:bodyPr>
+          <a:lstStyle/>
+          <a:p>
+            <a:r>
+              <a:rPr lang="pt-BR" sz="1400" dirty="0">
+                <a:latin typeface="Arial" panose="020B0604020202020204" pitchFamily="34" charset="0"/>
+                <a:cs typeface="Arial" panose="020B0604020202020204" pitchFamily="34" charset="0"/>
+              </a:rPr>
+              <a:t>CO 2</a:t>
+            </a:r>
+          </a:p>
+        </p:txBody>
+      </p:sp>
+      <p:sp>
+        <p:nvSpPr>
+          <p:cNvPr id="30" name="CaixaDeTexto 29"/>
+          <p:cNvSpPr txBox="1"/>
+          <p:nvPr/>
+        </p:nvSpPr>
+        <p:spPr>
+          <a:xfrm>
+            <a:off x="8813829" y="4592003"/>
+            <a:ext cx="1258784" cy="677108"/>
+          </a:xfrm>
+          <a:prstGeom prst="rect">
+            <a:avLst/>
+          </a:prstGeom>
+          <a:noFill/>
+        </p:spPr>
+        <p:txBody>
+          <a:bodyPr wrap="square" lIns="0" tIns="0" rIns="0" bIns="0" rtlCol="0">
+            <a:spAutoFit/>
+          </a:bodyPr>
+          <a:lstStyle/>
+          <a:p>
+            <a:r>
+              <a:rPr lang="pt-BR" sz="1100" b="1" dirty="0"/>
+              <a:t>CO + BD + BE </a:t>
+            </a:r>
+            <a:r>
+              <a:rPr lang="pt-BR" sz="1100" dirty="0"/>
+              <a:t>– fúria selvagem – desfere dois golpes com cada braço</a:t>
+            </a:r>
+          </a:p>
+        </p:txBody>
+      </p:sp>
+      <p:pic>
+        <p:nvPicPr>
+          <p:cNvPr id="27" name="Imagem 26">
+            <a:extLst>
+              <a:ext uri="{FF2B5EF4-FFF2-40B4-BE49-F238E27FC236}">
+                <a16:creationId xmlns:a16="http://schemas.microsoft.com/office/drawing/2014/main" id="{C1526FCF-DE21-402A-9726-6D096186C368}"/>
+              </a:ext>
+            </a:extLst>
+          </p:cNvPr>
+          <p:cNvPicPr>
+            <a:picLocks noChangeAspect="1"/>
+          </p:cNvPicPr>
+          <p:nvPr/>
+        </p:nvPicPr>
+        <p:blipFill>
+          <a:blip r:embed="rId2">
+            <a:clrChange>
+              <a:clrFrom>
+                <a:srgbClr val="FFFFFF"/>
+              </a:clrFrom>
+              <a:clrTo>
+                <a:srgbClr val="FFFFFF">
+                  <a:alpha val="0"/>
+                </a:srgbClr>
+              </a:clrTo>
+            </a:clrChange>
+          </a:blip>
+          <a:stretch>
+            <a:fillRect/>
+          </a:stretch>
+        </p:blipFill>
+        <p:spPr>
+          <a:xfrm>
+            <a:off x="8811901" y="990044"/>
+            <a:ext cx="1175510" cy="689420"/>
+          </a:xfrm>
+          <a:prstGeom prst="rect">
+            <a:avLst/>
+          </a:prstGeom>
+        </p:spPr>
+      </p:pic>
+      <p:sp>
+        <p:nvSpPr>
+          <p:cNvPr id="29" name="CaixaDeTexto 28">
+            <a:extLst>
+              <a:ext uri="{FF2B5EF4-FFF2-40B4-BE49-F238E27FC236}">
+                <a16:creationId xmlns:a16="http://schemas.microsoft.com/office/drawing/2014/main" id="{81FD38CE-F0A3-4DBC-94D9-DDE1A38E1552}"/>
+              </a:ext>
+            </a:extLst>
+          </p:cNvPr>
+          <p:cNvSpPr txBox="1"/>
+          <p:nvPr/>
+        </p:nvSpPr>
+        <p:spPr>
+          <a:xfrm>
+            <a:off x="8751526" y="794396"/>
+            <a:ext cx="694061" cy="307777"/>
+          </a:xfrm>
+          <a:prstGeom prst="rect">
+            <a:avLst/>
+          </a:prstGeom>
+          <a:noFill/>
+        </p:spPr>
+        <p:txBody>
+          <a:bodyPr wrap="square" rtlCol="0">
+            <a:spAutoFit/>
+          </a:bodyPr>
+          <a:lstStyle/>
+          <a:p>
+            <a:r>
+              <a:rPr lang="pt-BR" sz="1400" dirty="0">
+                <a:latin typeface="Arial" panose="020B0604020202020204" pitchFamily="34" charset="0"/>
+                <a:cs typeface="Arial" panose="020B0604020202020204" pitchFamily="34" charset="0"/>
+              </a:rPr>
+              <a:t>CO 2</a:t>
+            </a:r>
+          </a:p>
+        </p:txBody>
+      </p:sp>
+      <p:sp>
+        <p:nvSpPr>
+          <p:cNvPr id="31" name="CaixaDeTexto 30">
+            <a:extLst>
+              <a:ext uri="{FF2B5EF4-FFF2-40B4-BE49-F238E27FC236}">
+                <a16:creationId xmlns:a16="http://schemas.microsoft.com/office/drawing/2014/main" id="{D465D3D2-0D2D-4822-95D4-F5EB2BC8A6FC}"/>
+              </a:ext>
+            </a:extLst>
+          </p:cNvPr>
+          <p:cNvSpPr txBox="1"/>
+          <p:nvPr/>
+        </p:nvSpPr>
+        <p:spPr>
+          <a:xfrm>
+            <a:off x="8313933" y="1456653"/>
+            <a:ext cx="694061" cy="307777"/>
+          </a:xfrm>
+          <a:prstGeom prst="rect">
+            <a:avLst/>
+          </a:prstGeom>
+          <a:noFill/>
+        </p:spPr>
+        <p:txBody>
+          <a:bodyPr wrap="square" rtlCol="0">
+            <a:spAutoFit/>
+          </a:bodyPr>
+          <a:lstStyle/>
+          <a:p>
+            <a:r>
+              <a:rPr lang="pt-BR" sz="1400" dirty="0">
+                <a:latin typeface="Arial" panose="020B0604020202020204" pitchFamily="34" charset="0"/>
+                <a:cs typeface="Arial" panose="020B0604020202020204" pitchFamily="34" charset="0"/>
+              </a:rPr>
+              <a:t>PE 2</a:t>
+            </a:r>
+          </a:p>
+        </p:txBody>
+      </p:sp>
+      <p:pic>
+        <p:nvPicPr>
+          <p:cNvPr id="15" name="Imagem 14">
+            <a:extLst>
+              <a:ext uri="{FF2B5EF4-FFF2-40B4-BE49-F238E27FC236}">
+                <a16:creationId xmlns:a16="http://schemas.microsoft.com/office/drawing/2014/main" id="{25D05DC4-28F7-4998-B683-ECED1803AA34}"/>
+              </a:ext>
+            </a:extLst>
+          </p:cNvPr>
+          <p:cNvPicPr>
+            <a:picLocks noChangeAspect="1"/>
+          </p:cNvPicPr>
+          <p:nvPr/>
+        </p:nvPicPr>
+        <p:blipFill>
+          <a:blip r:embed="rId3">
+            <a:clrChange>
+              <a:clrFrom>
+                <a:srgbClr val="FFFFFF"/>
+              </a:clrFrom>
+              <a:clrTo>
+                <a:srgbClr val="FFFFFF">
+                  <a:alpha val="0"/>
+                </a:srgbClr>
+              </a:clrTo>
+            </a:clrChange>
+          </a:blip>
+          <a:stretch>
+            <a:fillRect/>
+          </a:stretch>
+        </p:blipFill>
+        <p:spPr>
+          <a:xfrm>
+            <a:off x="8951223" y="3718632"/>
+            <a:ext cx="620586" cy="680402"/>
+          </a:xfrm>
+          <a:prstGeom prst="rect">
+            <a:avLst/>
+          </a:prstGeom>
+        </p:spPr>
+      </p:pic>
+      <p:sp>
+        <p:nvSpPr>
+          <p:cNvPr id="32" name="CaixaDeTexto 31">
+            <a:extLst>
+              <a:ext uri="{FF2B5EF4-FFF2-40B4-BE49-F238E27FC236}">
+                <a16:creationId xmlns:a16="http://schemas.microsoft.com/office/drawing/2014/main" id="{73ADE2DB-4F17-424E-B577-C2130C1E8AF7}"/>
+              </a:ext>
+            </a:extLst>
+          </p:cNvPr>
+          <p:cNvSpPr txBox="1"/>
+          <p:nvPr/>
+        </p:nvSpPr>
+        <p:spPr>
+          <a:xfrm>
+            <a:off x="9441293" y="4077575"/>
+            <a:ext cx="578828" cy="307777"/>
+          </a:xfrm>
+          <a:prstGeom prst="rect">
+            <a:avLst/>
+          </a:prstGeom>
+          <a:noFill/>
+        </p:spPr>
+        <p:txBody>
+          <a:bodyPr wrap="square" rtlCol="0">
+            <a:spAutoFit/>
+          </a:bodyPr>
+          <a:lstStyle/>
+          <a:p>
+            <a:r>
+              <a:rPr lang="pt-BR" sz="1400" dirty="0">
+                <a:latin typeface="Arial" panose="020B0604020202020204" pitchFamily="34" charset="0"/>
+                <a:cs typeface="Arial" panose="020B0604020202020204" pitchFamily="34" charset="0"/>
+              </a:rPr>
+              <a:t>BE 2</a:t>
+            </a:r>
+          </a:p>
+        </p:txBody>
+      </p:sp>
+      <p:sp>
+        <p:nvSpPr>
+          <p:cNvPr id="33" name="CaixaDeTexto 32">
+            <a:extLst>
+              <a:ext uri="{FF2B5EF4-FFF2-40B4-BE49-F238E27FC236}">
+                <a16:creationId xmlns:a16="http://schemas.microsoft.com/office/drawing/2014/main" id="{9803914D-EA6B-4F7C-A5C6-AFD443E5A781}"/>
+              </a:ext>
+            </a:extLst>
+          </p:cNvPr>
+          <p:cNvSpPr txBox="1"/>
+          <p:nvPr/>
+        </p:nvSpPr>
+        <p:spPr>
+          <a:xfrm>
+            <a:off x="9020243" y="4292614"/>
+            <a:ext cx="578828" cy="307777"/>
+          </a:xfrm>
+          <a:prstGeom prst="rect">
+            <a:avLst/>
+          </a:prstGeom>
+          <a:noFill/>
+        </p:spPr>
+        <p:txBody>
+          <a:bodyPr wrap="square" rtlCol="0">
+            <a:spAutoFit/>
+          </a:bodyPr>
+          <a:lstStyle/>
+          <a:p>
+            <a:r>
+              <a:rPr lang="pt-BR" sz="1400" dirty="0">
+                <a:latin typeface="Arial" panose="020B0604020202020204" pitchFamily="34" charset="0"/>
+                <a:cs typeface="Arial" panose="020B0604020202020204" pitchFamily="34" charset="0"/>
+              </a:rPr>
+              <a:t>BD 2</a:t>
+            </a:r>
+          </a:p>
+        </p:txBody>
+      </p:sp>
+    </p:spTree>
+    <p:extLst>
+      <p:ext uri="{BB962C8B-B14F-4D97-AF65-F5344CB8AC3E}">
+        <p14:creationId xmlns:p14="http://schemas.microsoft.com/office/powerpoint/2010/main" val="197572946"/>
+      </p:ext>
+    </p:extLst>
+  </p:cSld>
+  <p:clrMapOvr>
+    <a:masterClrMapping/>
+  </p:clrMapOvr>
+</p:sld>
+</file>
+
+<file path=ppt/slides/slide3.xml><?xml version="1.0" encoding="utf-8"?>
+<p:sld xmlns:a="http://schemas.openxmlformats.org/drawingml/2006/main" xmlns:r="http://schemas.openxmlformats.org/officeDocument/2006/relationships" xmlns:p="http://schemas.openxmlformats.org/presentationml/2006/main">
+  <p:cSld>
+    <p:spTree>
+      <p:nvGrpSpPr>
+        <p:cNvPr id="1" name=""/>
+        <p:cNvGrpSpPr/>
+        <p:nvPr/>
+      </p:nvGrpSpPr>
+      <p:grpSpPr>
+        <a:xfrm>
+          <a:off x="0" y="0"/>
+          <a:ext cx="0" cy="0"/>
+          <a:chOff x="0" y="0"/>
+          <a:chExt cx="0" cy="0"/>
+        </a:xfrm>
+      </p:grpSpPr>
       <p:pic>
         <p:nvPicPr>
           <p:cNvPr id="2" name="Imagem 1"/>
@@ -3813,7 +4742,7 @@
 </p:sld>
 </file>
 
-<file path=ppt/slides/slide3.xml><?xml version="1.0" encoding="utf-8"?>
+<file path=ppt/slides/slide4.xml><?xml version="1.0" encoding="utf-8"?>
 <p:sld xmlns:a="http://schemas.openxmlformats.org/drawingml/2006/main" xmlns:r="http://schemas.openxmlformats.org/officeDocument/2006/relationships" xmlns:p="http://schemas.openxmlformats.org/presentationml/2006/main">
   <p:cSld>
     <p:spTree>
